--- a/doc/SoftwareDesign/NetworkController/SwitchCentricOFRouter-singleTable.pptx
+++ b/doc/SoftwareDesign/NetworkController/SwitchCentricOFRouter-singleTable.pptx
@@ -273,7 +273,7 @@
           <a:p>
             <a:fld id="{D071C3B5-86A2-44CC-9BB1-43A4D096BA0E}" type="datetimeFigureOut">
               <a:rPr lang="zh-CN" altLang="en-US" smtClean="0"/>
-              <a:t>2021/03/02</a:t>
+              <a:t>2021/03/17</a:t>
             </a:fld>
             <a:endParaRPr lang="zh-CN" altLang="en-US"/>
           </a:p>
@@ -471,7 +471,7 @@
           <a:p>
             <a:fld id="{D071C3B5-86A2-44CC-9BB1-43A4D096BA0E}" type="datetimeFigureOut">
               <a:rPr lang="zh-CN" altLang="en-US" smtClean="0"/>
-              <a:t>2021/03/02</a:t>
+              <a:t>2021/03/17</a:t>
             </a:fld>
             <a:endParaRPr lang="zh-CN" altLang="en-US"/>
           </a:p>
@@ -679,7 +679,7 @@
           <a:p>
             <a:fld id="{D071C3B5-86A2-44CC-9BB1-43A4D096BA0E}" type="datetimeFigureOut">
               <a:rPr lang="zh-CN" altLang="en-US" smtClean="0"/>
-              <a:t>2021/03/02</a:t>
+              <a:t>2021/03/17</a:t>
             </a:fld>
             <a:endParaRPr lang="zh-CN" altLang="en-US"/>
           </a:p>
@@ -877,7 +877,7 @@
           <a:p>
             <a:fld id="{D071C3B5-86A2-44CC-9BB1-43A4D096BA0E}" type="datetimeFigureOut">
               <a:rPr lang="zh-CN" altLang="en-US" smtClean="0"/>
-              <a:t>2021/03/02</a:t>
+              <a:t>2021/03/17</a:t>
             </a:fld>
             <a:endParaRPr lang="zh-CN" altLang="en-US"/>
           </a:p>
@@ -1152,7 +1152,7 @@
           <a:p>
             <a:fld id="{D071C3B5-86A2-44CC-9BB1-43A4D096BA0E}" type="datetimeFigureOut">
               <a:rPr lang="zh-CN" altLang="en-US" smtClean="0"/>
-              <a:t>2021/03/02</a:t>
+              <a:t>2021/03/17</a:t>
             </a:fld>
             <a:endParaRPr lang="zh-CN" altLang="en-US"/>
           </a:p>
@@ -1417,7 +1417,7 @@
           <a:p>
             <a:fld id="{D071C3B5-86A2-44CC-9BB1-43A4D096BA0E}" type="datetimeFigureOut">
               <a:rPr lang="zh-CN" altLang="en-US" smtClean="0"/>
-              <a:t>2021/03/02</a:t>
+              <a:t>2021/03/17</a:t>
             </a:fld>
             <a:endParaRPr lang="zh-CN" altLang="en-US"/>
           </a:p>
@@ -1829,7 +1829,7 @@
           <a:p>
             <a:fld id="{D071C3B5-86A2-44CC-9BB1-43A4D096BA0E}" type="datetimeFigureOut">
               <a:rPr lang="zh-CN" altLang="en-US" smtClean="0"/>
-              <a:t>2021/03/02</a:t>
+              <a:t>2021/03/17</a:t>
             </a:fld>
             <a:endParaRPr lang="zh-CN" altLang="en-US"/>
           </a:p>
@@ -1970,7 +1970,7 @@
           <a:p>
             <a:fld id="{D071C3B5-86A2-44CC-9BB1-43A4D096BA0E}" type="datetimeFigureOut">
               <a:rPr lang="zh-CN" altLang="en-US" smtClean="0"/>
-              <a:t>2021/03/02</a:t>
+              <a:t>2021/03/17</a:t>
             </a:fld>
             <a:endParaRPr lang="zh-CN" altLang="en-US"/>
           </a:p>
@@ -2083,7 +2083,7 @@
           <a:p>
             <a:fld id="{D071C3B5-86A2-44CC-9BB1-43A4D096BA0E}" type="datetimeFigureOut">
               <a:rPr lang="zh-CN" altLang="en-US" smtClean="0"/>
-              <a:t>2021/03/02</a:t>
+              <a:t>2021/03/17</a:t>
             </a:fld>
             <a:endParaRPr lang="zh-CN" altLang="en-US"/>
           </a:p>
@@ -2394,7 +2394,7 @@
           <a:p>
             <a:fld id="{D071C3B5-86A2-44CC-9BB1-43A4D096BA0E}" type="datetimeFigureOut">
               <a:rPr lang="zh-CN" altLang="en-US" smtClean="0"/>
-              <a:t>2021/03/02</a:t>
+              <a:t>2021/03/17</a:t>
             </a:fld>
             <a:endParaRPr lang="zh-CN" altLang="en-US"/>
           </a:p>
@@ -2682,7 +2682,7 @@
           <a:p>
             <a:fld id="{D071C3B5-86A2-44CC-9BB1-43A4D096BA0E}" type="datetimeFigureOut">
               <a:rPr lang="zh-CN" altLang="en-US" smtClean="0"/>
-              <a:t>2021/03/02</a:t>
+              <a:t>2021/03/17</a:t>
             </a:fld>
             <a:endParaRPr lang="zh-CN" altLang="en-US"/>
           </a:p>
@@ -2923,7 +2923,7 @@
           <a:p>
             <a:fld id="{D071C3B5-86A2-44CC-9BB1-43A4D096BA0E}" type="datetimeFigureOut">
               <a:rPr lang="zh-CN" altLang="en-US" smtClean="0"/>
-              <a:t>2021/03/02</a:t>
+              <a:t>2021/03/17</a:t>
             </a:fld>
             <a:endParaRPr lang="zh-CN" altLang="en-US"/>
           </a:p>
@@ -9121,14 +9121,14 @@
           <p:nvPr>
             <p:extLst>
               <p:ext uri="{D42A27DB-BD31-4B8C-83A1-F6EECF244321}">
-                <p14:modId xmlns:p14="http://schemas.microsoft.com/office/powerpoint/2010/main" val="2907286038"/>
+                <p14:modId xmlns:p14="http://schemas.microsoft.com/office/powerpoint/2010/main" val="3910478932"/>
               </p:ext>
             </p:extLst>
           </p:nvPr>
         </p:nvGraphicFramePr>
         <p:xfrm>
-          <a:off x="3534922" y="4091527"/>
-          <a:ext cx="6490169" cy="2002958"/>
+          <a:off x="3449676" y="4091527"/>
+          <a:ext cx="6650733" cy="2002958"/>
         </p:xfrm>
         <a:graphic>
           <a:graphicData uri="http://schemas.openxmlformats.org/drawingml/2006/table">
@@ -9137,21 +9137,21 @@
                 <a:tableStyleId>{5C22544A-7EE6-4342-B048-85BDC9FD1C3A}</a:tableStyleId>
               </a:tblPr>
               <a:tblGrid>
-                <a:gridCol w="2265301">
+                <a:gridCol w="2321344">
                   <a:extLst>
                     <a:ext uri="{9D8B030D-6E8A-4147-A177-3AD203B41FA5}">
                       <a16:colId xmlns:a16="http://schemas.microsoft.com/office/drawing/2014/main" val="2457041268"/>
                     </a:ext>
                   </a:extLst>
                 </a:gridCol>
-                <a:gridCol w="2723870">
+                <a:gridCol w="2791257">
                   <a:extLst>
                     <a:ext uri="{9D8B030D-6E8A-4147-A177-3AD203B41FA5}">
                       <a16:colId xmlns:a16="http://schemas.microsoft.com/office/drawing/2014/main" val="3402089270"/>
                     </a:ext>
                   </a:extLst>
                 </a:gridCol>
-                <a:gridCol w="1500998">
+                <a:gridCol w="1538132">
                   <a:extLst>
                     <a:ext uri="{9D8B030D-6E8A-4147-A177-3AD203B41FA5}">
                       <a16:colId xmlns:a16="http://schemas.microsoft.com/office/drawing/2014/main" val="2553256413"/>
